--- a/Summary_Notes_Topics.pptx
+++ b/Summary_Notes_Topics.pptx
@@ -271,7 +271,7 @@
               <a:pPr>
                 <a:defRPr/>
               </a:pPr>
-              <a:t>6/25/2022</a:t>
+              <a:t>6/29/2022</a:t>
             </a:fld>
             <a:endParaRPr lang="en-US"/>
           </a:p>
@@ -9225,29 +9225,6 @@
 </file>
 
 <file path=customXml/item2.xml><?xml version="1.0" encoding="utf-8"?>
-<p:properties xmlns:p="http://schemas.microsoft.com/office/2006/metadata/properties" xmlns:xsi="http://www.w3.org/2001/XMLSchema-instance" xmlns:pc="http://schemas.microsoft.com/office/infopath/2007/PartnerControls">
-  <documentManagement>
-    <SottoCategoria xmlns="679261c3-551f-4e86-913f-177e0e529669">-</SottoCategoria>
-    <Categoria xmlns="c58f2efd-82a8-4ecf-b395-8c25e928921d">Power Point</Categoria>
-    <_dlc_DocId xmlns="459159c4-d20a-4ff3-9b11-fbd127bd52e5">INTRANET-14-158</_dlc_DocId>
-    <_dlc_DocIdUrl xmlns="459159c4-d20a-4ff3-9b11-fbd127bd52e5">
-      <Url>https://intranet.istat.it/Collaborativi/_layouts/15/DocIdRedir.aspx?ID=INTRANET-14-158</Url>
-      <Description>INTRANET-14-158</Description>
-    </_dlc_DocIdUrl>
-  </documentManagement>
-</p:properties>
-</file>
-
-<file path=customXml/item3.xml><?xml version="1.0" encoding="utf-8"?>
-<?mso-contentType ?>
-<FormTemplates xmlns="http://schemas.microsoft.com/sharepoint/v3/contenttype/forms">
-  <Display>DocumentLibraryForm</Display>
-  <Edit>DocumentLibraryForm</Edit>
-  <New>DocumentLibraryForm</New>
-</FormTemplates>
-</file>
-
-<file path=customXml/item4.xml><?xml version="1.0" encoding="utf-8"?>
 <?mso-contentType ?>
 <spe:Receivers xmlns:spe="http://schemas.microsoft.com/sharepoint/events">
   <Receiver>
@@ -9297,6 +9274,29 @@
 </spe:Receivers>
 </file>
 
+<file path=customXml/item3.xml><?xml version="1.0" encoding="utf-8"?>
+<?mso-contentType ?>
+<FormTemplates xmlns="http://schemas.microsoft.com/sharepoint/v3/contenttype/forms">
+  <Display>DocumentLibraryForm</Display>
+  <Edit>DocumentLibraryForm</Edit>
+  <New>DocumentLibraryForm</New>
+</FormTemplates>
+</file>
+
+<file path=customXml/item4.xml><?xml version="1.0" encoding="utf-8"?>
+<p:properties xmlns:p="http://schemas.microsoft.com/office/2006/metadata/properties" xmlns:xsi="http://www.w3.org/2001/XMLSchema-instance" xmlns:pc="http://schemas.microsoft.com/office/infopath/2007/PartnerControls">
+  <documentManagement>
+    <SottoCategoria xmlns="679261c3-551f-4e86-913f-177e0e529669">-</SottoCategoria>
+    <Categoria xmlns="c58f2efd-82a8-4ecf-b395-8c25e928921d">Power Point</Categoria>
+    <_dlc_DocId xmlns="459159c4-d20a-4ff3-9b11-fbd127bd52e5">INTRANET-14-158</_dlc_DocId>
+    <_dlc_DocIdUrl xmlns="459159c4-d20a-4ff3-9b11-fbd127bd52e5">
+      <Url>https://intranet.istat.it/Collaborativi/_layouts/15/DocIdRedir.aspx?ID=INTRANET-14-158</Url>
+      <Description>INTRANET-14-158</Description>
+    </_dlc_DocIdUrl>
+  </documentManagement>
+</p:properties>
+</file>
+
 <file path=customXml/itemProps1.xml><?xml version="1.0" encoding="utf-8"?>
 <ds:datastoreItem xmlns:ds="http://schemas.openxmlformats.org/officeDocument/2006/customXml" ds:itemID="{3F66F418-6054-4EA5-BF8E-6AF3CEAE6265}">
   <ds:schemaRefs>
@@ -9318,6 +9318,22 @@
 </file>
 
 <file path=customXml/itemProps2.xml><?xml version="1.0" encoding="utf-8"?>
+<ds:datastoreItem xmlns:ds="http://schemas.openxmlformats.org/officeDocument/2006/customXml" ds:itemID="{D9296C4F-9DE9-4B43-AA80-1FC85656CFFA}">
+  <ds:schemaRefs>
+    <ds:schemaRef ds:uri="http://schemas.microsoft.com/sharepoint/events"/>
+  </ds:schemaRefs>
+</ds:datastoreItem>
+</file>
+
+<file path=customXml/itemProps3.xml><?xml version="1.0" encoding="utf-8"?>
+<ds:datastoreItem xmlns:ds="http://schemas.openxmlformats.org/officeDocument/2006/customXml" ds:itemID="{BD9C238D-4D5C-4783-820B-4854DCE45D41}">
+  <ds:schemaRefs>
+    <ds:schemaRef ds:uri="http://schemas.microsoft.com/sharepoint/v3/contenttype/forms"/>
+  </ds:schemaRefs>
+</ds:datastoreItem>
+</file>
+
+<file path=customXml/itemProps4.xml><?xml version="1.0" encoding="utf-8"?>
 <ds:datastoreItem xmlns:ds="http://schemas.openxmlformats.org/officeDocument/2006/customXml" ds:itemID="{3EF378BC-F4D0-4510-B4EC-07B6EFE18CF8}">
   <ds:schemaRefs>
     <ds:schemaRef ds:uri="http://schemas.microsoft.com/office/2006/metadata/properties"/>
@@ -9333,20 +9349,4 @@
     <ds:schemaRef ds:uri="http://purl.org/dc/dcmitype/"/>
   </ds:schemaRefs>
 </ds:datastoreItem>
-</file>
-
-<file path=customXml/itemProps3.xml><?xml version="1.0" encoding="utf-8"?>
-<ds:datastoreItem xmlns:ds="http://schemas.openxmlformats.org/officeDocument/2006/customXml" ds:itemID="{BD9C238D-4D5C-4783-820B-4854DCE45D41}">
-  <ds:schemaRefs>
-    <ds:schemaRef ds:uri="http://schemas.microsoft.com/sharepoint/v3/contenttype/forms"/>
-  </ds:schemaRefs>
-</ds:datastoreItem>
-</file>
-
-<file path=customXml/itemProps4.xml><?xml version="1.0" encoding="utf-8"?>
-<ds:datastoreItem xmlns:ds="http://schemas.openxmlformats.org/officeDocument/2006/customXml" ds:itemID="{D9296C4F-9DE9-4B43-AA80-1FC85656CFFA}">
-  <ds:schemaRefs>
-    <ds:schemaRef ds:uri="http://schemas.microsoft.com/sharepoint/events"/>
-  </ds:schemaRefs>
-</ds:datastoreItem>
 </file>
--- a/Summary_Notes_Topics.pptx
+++ b/Summary_Notes_Topics.pptx
@@ -5,7 +5,7 @@
     <p:sldMasterId id="2147483648" r:id="rId5"/>
   </p:sldMasterIdLst>
   <p:notesMasterIdLst>
-    <p:notesMasterId r:id="rId12"/>
+    <p:notesMasterId r:id="rId13"/>
   </p:notesMasterIdLst>
   <p:sldIdLst>
     <p:sldId id="256" r:id="rId6"/>
@@ -14,6 +14,7 @@
     <p:sldId id="345" r:id="rId9"/>
     <p:sldId id="346" r:id="rId10"/>
     <p:sldId id="347" r:id="rId11"/>
+    <p:sldId id="348" r:id="rId12"/>
   </p:sldIdLst>
   <p:sldSz cx="12192000" cy="6858000"/>
   <p:notesSz cx="6858000" cy="9144000"/>
@@ -271,7 +272,7 @@
               <a:pPr>
                 <a:defRPr/>
               </a:pPr>
-              <a:t>6/29/2022</a:t>
+              <a:t>7/1/2022</a:t>
             </a:fld>
             <a:endParaRPr lang="en-US"/>
           </a:p>
@@ -8386,8 +8387,75 @@
                 <a:ea typeface="Tahoma" panose="020B0604030504040204" pitchFamily="34" charset="0"/>
                 <a:cs typeface="Tahoma" panose="020B0604030504040204" pitchFamily="34" charset="0"/>
               </a:rPr>
-              <a:t>Text mining vuol dire ricavare valore da un testo </a:t>
-            </a:r>
+              <a:t>Text mining vuol dire ricavare valore da </a:t>
+            </a:r>
+            <a:r>
+              <a:rPr lang="it-IT" sz="2400">
+                <a:solidFill>
+                  <a:srgbClr val="FF0000"/>
+                </a:solidFill>
+                <a:latin typeface="Tahoma" panose="020B0604030504040204" pitchFamily="34" charset="0"/>
+                <a:ea typeface="Tahoma" panose="020B0604030504040204" pitchFamily="34" charset="0"/>
+                <a:cs typeface="Tahoma" panose="020B0604030504040204" pitchFamily="34" charset="0"/>
+              </a:rPr>
+              <a:t>un testo</a:t>
+            </a:r>
+          </a:p>
+          <a:p>
+            <a:pPr marL="457200" indent="-457200" algn="l">
+              <a:buAutoNum type="arabicParenR"/>
+            </a:pPr>
+            <a:r>
+              <a:rPr lang="it-IT" sz="2400">
+                <a:solidFill>
+                  <a:srgbClr val="FF0000"/>
+                </a:solidFill>
+                <a:latin typeface="Tahoma" panose="020B0604030504040204" pitchFamily="34" charset="0"/>
+                <a:ea typeface="Tahoma" panose="020B0604030504040204" pitchFamily="34" charset="0"/>
+                <a:cs typeface="Tahoma" panose="020B0604030504040204" pitchFamily="34" charset="0"/>
+              </a:rPr>
+              <a:t>Il Web semantico serve a rendere interoperabile il Web, è un nuovo paradigma ideato da Bernes Lee </a:t>
+            </a:r>
+          </a:p>
+          <a:p>
+            <a:pPr marL="457200" indent="-457200" algn="l">
+              <a:buAutoNum type="arabicParenR"/>
+            </a:pPr>
+            <a:r>
+              <a:rPr lang="it-IT" sz="2400">
+                <a:solidFill>
+                  <a:srgbClr val="FF0000"/>
+                </a:solidFill>
+                <a:latin typeface="Tahoma" panose="020B0604030504040204" pitchFamily="34" charset="0"/>
+                <a:ea typeface="Tahoma" panose="020B0604030504040204" pitchFamily="34" charset="0"/>
+                <a:cs typeface="Tahoma" panose="020B0604030504040204" pitchFamily="34" charset="0"/>
+              </a:rPr>
+              <a:t>Per rendere il Web interoperabile non hai bisogno solo dei dati, ma hai bisogno di uno strato per descrivere i dati, uno strato di metadati, serve a descrivere bene i dati che hai, è fatto in maniera tale che le risorse sono idenficate da un IRI che punta alla posizione o locazione </a:t>
+            </a:r>
+          </a:p>
+          <a:p>
+            <a:pPr marL="457200" indent="-457200" algn="l">
+              <a:buAutoNum type="arabicParenR"/>
+            </a:pPr>
+            <a:r>
+              <a:rPr lang="it-IT" sz="2400">
+                <a:solidFill>
+                  <a:srgbClr val="FF0000"/>
+                </a:solidFill>
+                <a:latin typeface="Tahoma" panose="020B0604030504040204" pitchFamily="34" charset="0"/>
+                <a:ea typeface="Tahoma" panose="020B0604030504040204" pitchFamily="34" charset="0"/>
+                <a:cs typeface="Tahoma" panose="020B0604030504040204" pitchFamily="34" charset="0"/>
+              </a:rPr>
+              <a:t>Quando si definisce un RDF, un'entità può essere identificata da una risorsa che spiega cosa vuol dire nome, ci sono dei siti di metada FOAF (friend of friends) dove sono definiti tutte queste cose, nome, contenere avere </a:t>
+            </a:r>
+            <a:endParaRPr lang="it-IT" sz="2400" dirty="0">
+              <a:solidFill>
+                <a:srgbClr val="FF0000"/>
+              </a:solidFill>
+              <a:latin typeface="Tahoma" panose="020B0604030504040204" pitchFamily="34" charset="0"/>
+              <a:ea typeface="Tahoma" panose="020B0604030504040204" pitchFamily="34" charset="0"/>
+              <a:cs typeface="Tahoma" panose="020B0604030504040204" pitchFamily="34" charset="0"/>
+            </a:endParaRPr>
           </a:p>
         </p:txBody>
       </p:sp>
@@ -8464,6 +8532,244 @@
     <p:extLst>
       <p:ext uri="{BB962C8B-B14F-4D97-AF65-F5344CB8AC3E}">
         <p14:creationId xmlns:p14="http://schemas.microsoft.com/office/powerpoint/2010/main" val="435993228"/>
+      </p:ext>
+    </p:extLst>
+  </p:cSld>
+  <p:clrMapOvr>
+    <a:masterClrMapping/>
+  </p:clrMapOvr>
+</p:sld>
+</file>
+
+<file path=ppt/slides/slide7.xml><?xml version="1.0" encoding="utf-8"?>
+<p:sld xmlns:a="http://schemas.openxmlformats.org/drawingml/2006/main" xmlns:r="http://schemas.openxmlformats.org/officeDocument/2006/relationships" xmlns:p="http://schemas.openxmlformats.org/presentationml/2006/main">
+  <p:cSld>
+    <p:spTree>
+      <p:nvGrpSpPr>
+        <p:cNvPr id="1" name=""/>
+        <p:cNvGrpSpPr/>
+        <p:nvPr/>
+      </p:nvGrpSpPr>
+      <p:grpSpPr>
+        <a:xfrm>
+          <a:off x="0" y="0"/>
+          <a:ext cx="0" cy="0"/>
+          <a:chOff x="0" y="0"/>
+          <a:chExt cx="0" cy="0"/>
+        </a:xfrm>
+      </p:grpSpPr>
+      <p:sp>
+        <p:nvSpPr>
+          <p:cNvPr id="2" name="Segnaposto testo 1">
+            <a:extLst>
+              <a:ext uri="{FF2B5EF4-FFF2-40B4-BE49-F238E27FC236}">
+                <a16:creationId xmlns:a16="http://schemas.microsoft.com/office/drawing/2014/main" id="{E5AE986C-196F-4141-A898-FA4C4198CDCC}"/>
+              </a:ext>
+            </a:extLst>
+          </p:cNvPr>
+          <p:cNvSpPr>
+            <a:spLocks noGrp="1"/>
+          </p:cNvSpPr>
+          <p:nvPr>
+            <p:ph type="body" idx="1"/>
+          </p:nvPr>
+        </p:nvSpPr>
+        <p:spPr>
+          <a:xfrm>
+            <a:off x="326297" y="1213806"/>
+            <a:ext cx="11269307" cy="4392612"/>
+          </a:xfrm>
+        </p:spPr>
+        <p:txBody>
+          <a:bodyPr/>
+          <a:lstStyle/>
+          <a:p>
+            <a:pPr marL="457200" indent="-457200" algn="l">
+              <a:buAutoNum type="arabicParenR"/>
+            </a:pPr>
+            <a:r>
+              <a:rPr lang="it-IT" sz="2400">
+                <a:solidFill>
+                  <a:srgbClr val="FF0000"/>
+                </a:solidFill>
+                <a:latin typeface="Tahoma" panose="020B0604030504040204" pitchFamily="34" charset="0"/>
+                <a:ea typeface="Tahoma" panose="020B0604030504040204" pitchFamily="34" charset="0"/>
+                <a:cs typeface="Tahoma" panose="020B0604030504040204" pitchFamily="34" charset="0"/>
+              </a:rPr>
+              <a:t>per costruire un rdf, devi usare quelle già esistenti, non le puoi, con RDF colleghi pezzi del web insieme, al fine di rappresentare questa informazione condivisa. In modo da sapere che quando parli di Batman a cosa ti riferisci</a:t>
+            </a:r>
+          </a:p>
+          <a:p>
+            <a:pPr marL="457200" indent="-457200" algn="l">
+              <a:buAutoNum type="arabicParenR"/>
+            </a:pPr>
+            <a:endParaRPr lang="it-IT" sz="2400">
+              <a:solidFill>
+                <a:srgbClr val="FF0000"/>
+              </a:solidFill>
+              <a:latin typeface="Tahoma" panose="020B0604030504040204" pitchFamily="34" charset="0"/>
+              <a:ea typeface="Tahoma" panose="020B0604030504040204" pitchFamily="34" charset="0"/>
+              <a:cs typeface="Tahoma" panose="020B0604030504040204" pitchFamily="34" charset="0"/>
+            </a:endParaRPr>
+          </a:p>
+          <a:p>
+            <a:r>
+              <a:rPr lang="it-IT" sz="2400"/>
+              <a:t>Un </a:t>
+            </a:r>
+            <a:r>
+              <a:rPr lang="it-IT" sz="2400" b="1"/>
+              <a:t>triplestore</a:t>
+            </a:r>
+            <a:r>
+              <a:rPr lang="it-IT" sz="2400"/>
+              <a:t> è un </a:t>
+            </a:r>
+            <a:r>
+              <a:rPr lang="it-IT" sz="2400">
+                <a:hlinkClick r:id="rId2" tooltip="Base di dati"/>
+              </a:rPr>
+              <a:t>database</a:t>
+            </a:r>
+            <a:r>
+              <a:rPr lang="it-IT" sz="2400"/>
+              <a:t> costruito appositamente per il salvataggio e il recupero di triple</a:t>
+            </a:r>
+            <a:r>
+              <a:rPr lang="it-IT" sz="2400" baseline="30000">
+                <a:hlinkClick r:id="rId3"/>
+              </a:rPr>
+              <a:t>[1]</a:t>
+            </a:r>
+            <a:r>
+              <a:rPr lang="it-IT" sz="2400"/>
+              <a:t>, entità di dati composte da soggetto-predicato-oggetto, come "Bob ha 35 anni" o "Bob conosce Fred". </a:t>
+            </a:r>
+          </a:p>
+          <a:p>
+            <a:r>
+              <a:rPr lang="it-IT" sz="2400"/>
+              <a:t>È molto simile a un </a:t>
+            </a:r>
+            <a:r>
+              <a:rPr lang="it-IT" sz="2400">
+                <a:hlinkClick r:id="rId4" tooltip="Database relazionale"/>
+              </a:rPr>
+              <a:t>database relazionale</a:t>
+            </a:r>
+            <a:r>
+              <a:rPr lang="it-IT" sz="2400"/>
+              <a:t> poiché memorizza le informazioni in una base dati e le recupera tramite un </a:t>
+            </a:r>
+            <a:r>
+              <a:rPr lang="it-IT" sz="2400">
+                <a:hlinkClick r:id="rId5" tooltip="Linguaggio di interrogazione"/>
+              </a:rPr>
+              <a:t>linguaggio di query</a:t>
+            </a:r>
+            <a:r>
+              <a:rPr lang="it-IT" sz="2400"/>
+              <a:t>. A differenza di un database relazionale, un triplestore è ottimizzato per la memorizzazione e il recupero di triple. Oltre alle query, le triple possono essere importate/esportate utilizzando </a:t>
+            </a:r>
+            <a:r>
+              <a:rPr lang="it-IT" sz="2400">
+                <a:hlinkClick r:id="rId6" tooltip="Resource Description Framework"/>
+              </a:rPr>
+              <a:t>Resource Description Framework</a:t>
+            </a:r>
+            <a:r>
+              <a:rPr lang="it-IT" sz="2400"/>
+              <a:t> (RDF) e altri formati. </a:t>
+            </a:r>
+          </a:p>
+          <a:p>
+            <a:pPr marL="457200" indent="-457200" algn="l">
+              <a:buAutoNum type="arabicParenR"/>
+            </a:pPr>
+            <a:endParaRPr lang="it-IT" sz="2400" dirty="0">
+              <a:solidFill>
+                <a:srgbClr val="FF0000"/>
+              </a:solidFill>
+              <a:latin typeface="Tahoma" panose="020B0604030504040204" pitchFamily="34" charset="0"/>
+              <a:ea typeface="Tahoma" panose="020B0604030504040204" pitchFamily="34" charset="0"/>
+              <a:cs typeface="Tahoma" panose="020B0604030504040204" pitchFamily="34" charset="0"/>
+            </a:endParaRPr>
+          </a:p>
+        </p:txBody>
+      </p:sp>
+      <p:sp>
+        <p:nvSpPr>
+          <p:cNvPr id="7" name="Segnaposto numero diapositiva 6">
+            <a:extLst>
+              <a:ext uri="{FF2B5EF4-FFF2-40B4-BE49-F238E27FC236}">
+                <a16:creationId xmlns:a16="http://schemas.microsoft.com/office/drawing/2014/main" id="{AB740BE9-E218-4144-BFDE-AE473D230A3D}"/>
+              </a:ext>
+            </a:extLst>
+          </p:cNvPr>
+          <p:cNvSpPr>
+            <a:spLocks noGrp="1"/>
+          </p:cNvSpPr>
+          <p:nvPr>
+            <p:ph type="sldNum" sz="quarter" idx="12"/>
+          </p:nvPr>
+        </p:nvSpPr>
+        <p:spPr/>
+        <p:txBody>
+          <a:bodyPr/>
+          <a:lstStyle/>
+          <a:p>
+            <a:pPr>
+              <a:defRPr/>
+            </a:pPr>
+            <a:fld id="{48B4153A-D4C5-4CEF-8992-0D8815C829E3}" type="slidenum">
+              <a:rPr lang="en-US" smtClean="0"/>
+              <a:pPr>
+                <a:defRPr/>
+              </a:pPr>
+              <a:t>7</a:t>
+            </a:fld>
+            <a:endParaRPr lang="en-US" dirty="0"/>
+          </a:p>
+        </p:txBody>
+      </p:sp>
+      <p:sp>
+        <p:nvSpPr>
+          <p:cNvPr id="5" name="Titolo 4">
+            <a:extLst>
+              <a:ext uri="{FF2B5EF4-FFF2-40B4-BE49-F238E27FC236}">
+                <a16:creationId xmlns:a16="http://schemas.microsoft.com/office/drawing/2014/main" id="{82C46BA2-B380-4357-B125-BA9F08A643F5}"/>
+              </a:ext>
+            </a:extLst>
+          </p:cNvPr>
+          <p:cNvSpPr>
+            <a:spLocks noGrp="1"/>
+          </p:cNvSpPr>
+          <p:nvPr>
+            <p:ph type="title"/>
+          </p:nvPr>
+        </p:nvSpPr>
+        <p:spPr>
+          <a:xfrm>
+            <a:off x="468895" y="503475"/>
+            <a:ext cx="11269308" cy="384721"/>
+          </a:xfrm>
+        </p:spPr>
+        <p:txBody>
+          <a:bodyPr/>
+          <a:lstStyle/>
+          <a:p>
+            <a:r>
+              <a:rPr lang="it-IT" altLang="it-IT" dirty="0"/>
+              <a:t>Programma prove</a:t>
+            </a:r>
+            <a:endParaRPr lang="it-IT" dirty="0"/>
+          </a:p>
+        </p:txBody>
+      </p:sp>
+    </p:spTree>
+    <p:extLst>
+      <p:ext uri="{BB962C8B-B14F-4D97-AF65-F5344CB8AC3E}">
+        <p14:creationId xmlns:p14="http://schemas.microsoft.com/office/powerpoint/2010/main" val="3884293868"/>
       </p:ext>
     </p:extLst>
   </p:cSld>
@@ -9038,6 +9344,79 @@
 </file>
 
 <file path=customXml/item1.xml><?xml version="1.0" encoding="utf-8"?>
+<p:properties xmlns:p="http://schemas.microsoft.com/office/2006/metadata/properties" xmlns:xsi="http://www.w3.org/2001/XMLSchema-instance" xmlns:pc="http://schemas.microsoft.com/office/infopath/2007/PartnerControls">
+  <documentManagement>
+    <SottoCategoria xmlns="679261c3-551f-4e86-913f-177e0e529669">-</SottoCategoria>
+    <Categoria xmlns="c58f2efd-82a8-4ecf-b395-8c25e928921d">Power Point</Categoria>
+    <_dlc_DocId xmlns="459159c4-d20a-4ff3-9b11-fbd127bd52e5">INTRANET-14-158</_dlc_DocId>
+    <_dlc_DocIdUrl xmlns="459159c4-d20a-4ff3-9b11-fbd127bd52e5">
+      <Url>https://intranet.istat.it/Collaborativi/_layouts/15/DocIdRedir.aspx?ID=INTRANET-14-158</Url>
+      <Description>INTRANET-14-158</Description>
+    </_dlc_DocIdUrl>
+  </documentManagement>
+</p:properties>
+</file>
+
+<file path=customXml/item2.xml><?xml version="1.0" encoding="utf-8"?>
+<?mso-contentType ?>
+<FormTemplates xmlns="http://schemas.microsoft.com/sharepoint/v3/contenttype/forms">
+  <Display>DocumentLibraryForm</Display>
+  <Edit>DocumentLibraryForm</Edit>
+  <New>DocumentLibraryForm</New>
+</FormTemplates>
+</file>
+
+<file path=customXml/item3.xml><?xml version="1.0" encoding="utf-8"?>
+<?mso-contentType ?>
+<spe:Receivers xmlns:spe="http://schemas.microsoft.com/sharepoint/events">
+  <Receiver>
+    <Name>Document ID Generator</Name>
+    <Synchronization>Synchronous</Synchronization>
+    <Type>10001</Type>
+    <SequenceNumber>1000</SequenceNumber>
+    <Url/>
+    <Assembly>Microsoft.Office.DocumentManagement, Version=15.0.0.0, Culture=neutral, PublicKeyToken=71e9bce111e9429c</Assembly>
+    <Class>Microsoft.Office.DocumentManagement.Internal.DocIdHandler</Class>
+    <Data/>
+    <Filter/>
+  </Receiver>
+  <Receiver>
+    <Name>Document ID Generator</Name>
+    <Synchronization>Synchronous</Synchronization>
+    <Type>10002</Type>
+    <SequenceNumber>1001</SequenceNumber>
+    <Url/>
+    <Assembly>Microsoft.Office.DocumentManagement, Version=15.0.0.0, Culture=neutral, PublicKeyToken=71e9bce111e9429c</Assembly>
+    <Class>Microsoft.Office.DocumentManagement.Internal.DocIdHandler</Class>
+    <Data/>
+    <Filter/>
+  </Receiver>
+  <Receiver>
+    <Name>Document ID Generator</Name>
+    <Synchronization>Synchronous</Synchronization>
+    <Type>10004</Type>
+    <SequenceNumber>1002</SequenceNumber>
+    <Url/>
+    <Assembly>Microsoft.Office.DocumentManagement, Version=15.0.0.0, Culture=neutral, PublicKeyToken=71e9bce111e9429c</Assembly>
+    <Class>Microsoft.Office.DocumentManagement.Internal.DocIdHandler</Class>
+    <Data/>
+    <Filter/>
+  </Receiver>
+  <Receiver>
+    <Name>Document ID Generator</Name>
+    <Synchronization>Synchronous</Synchronization>
+    <Type>10006</Type>
+    <SequenceNumber>1003</SequenceNumber>
+    <Url/>
+    <Assembly>Microsoft.Office.DocumentManagement, Version=15.0.0.0, Culture=neutral, PublicKeyToken=71e9bce111e9429c</Assembly>
+    <Class>Microsoft.Office.DocumentManagement.Internal.DocIdHandler</Class>
+    <Data/>
+    <Filter/>
+  </Receiver>
+</spe:Receivers>
+</file>
+
+<file path=customXml/item4.xml><?xml version="1.0" encoding="utf-8"?>
 <ct:contentTypeSchema xmlns:ct="http://schemas.microsoft.com/office/2006/metadata/contentType" xmlns:ma="http://schemas.microsoft.com/office/2006/metadata/properties/metaAttributes" ct:_="" ma:_="" ma:contentTypeName="Documento" ma:contentTypeID="0x010100661A2BE3120D674DA36C11D6006822D4" ma:contentTypeVersion="3" ma:contentTypeDescription="Creare un nuovo documento." ma:contentTypeScope="" ma:versionID="2ad8b07f9840a1ce9cd199d874146b74">
   <xsd:schema xmlns:xsd="http://www.w3.org/2001/XMLSchema" xmlns:xs="http://www.w3.org/2001/XMLSchema" xmlns:p="http://schemas.microsoft.com/office/2006/metadata/properties" xmlns:ns2="c58f2efd-82a8-4ecf-b395-8c25e928921d" xmlns:ns3="459159c4-d20a-4ff3-9b11-fbd127bd52e5" xmlns:ns4="679261c3-551f-4e86-913f-177e0e529669" targetNamespace="http://schemas.microsoft.com/office/2006/metadata/properties" ma:root="true" ma:fieldsID="fffb0e16fb90ffea59fef1085e90ecca" ns2:_="" ns3:_="" ns4:_="">
     <xsd:import namespace="c58f2efd-82a8-4ecf-b395-8c25e928921d"/>
@@ -9224,80 +9603,41 @@
 </ct:contentTypeSchema>
 </file>
 
-<file path=customXml/item2.xml><?xml version="1.0" encoding="utf-8"?>
-<?mso-contentType ?>
-<spe:Receivers xmlns:spe="http://schemas.microsoft.com/sharepoint/events">
-  <Receiver>
-    <Name>Document ID Generator</Name>
-    <Synchronization>Synchronous</Synchronization>
-    <Type>10001</Type>
-    <SequenceNumber>1000</SequenceNumber>
-    <Url/>
-    <Assembly>Microsoft.Office.DocumentManagement, Version=15.0.0.0, Culture=neutral, PublicKeyToken=71e9bce111e9429c</Assembly>
-    <Class>Microsoft.Office.DocumentManagement.Internal.DocIdHandler</Class>
-    <Data/>
-    <Filter/>
-  </Receiver>
-  <Receiver>
-    <Name>Document ID Generator</Name>
-    <Synchronization>Synchronous</Synchronization>
-    <Type>10002</Type>
-    <SequenceNumber>1001</SequenceNumber>
-    <Url/>
-    <Assembly>Microsoft.Office.DocumentManagement, Version=15.0.0.0, Culture=neutral, PublicKeyToken=71e9bce111e9429c</Assembly>
-    <Class>Microsoft.Office.DocumentManagement.Internal.DocIdHandler</Class>
-    <Data/>
-    <Filter/>
-  </Receiver>
-  <Receiver>
-    <Name>Document ID Generator</Name>
-    <Synchronization>Synchronous</Synchronization>
-    <Type>10004</Type>
-    <SequenceNumber>1002</SequenceNumber>
-    <Url/>
-    <Assembly>Microsoft.Office.DocumentManagement, Version=15.0.0.0, Culture=neutral, PublicKeyToken=71e9bce111e9429c</Assembly>
-    <Class>Microsoft.Office.DocumentManagement.Internal.DocIdHandler</Class>
-    <Data/>
-    <Filter/>
-  </Receiver>
-  <Receiver>
-    <Name>Document ID Generator</Name>
-    <Synchronization>Synchronous</Synchronization>
-    <Type>10006</Type>
-    <SequenceNumber>1003</SequenceNumber>
-    <Url/>
-    <Assembly>Microsoft.Office.DocumentManagement, Version=15.0.0.0, Culture=neutral, PublicKeyToken=71e9bce111e9429c</Assembly>
-    <Class>Microsoft.Office.DocumentManagement.Internal.DocIdHandler</Class>
-    <Data/>
-    <Filter/>
-  </Receiver>
-</spe:Receivers>
+<file path=customXml/itemProps1.xml><?xml version="1.0" encoding="utf-8"?>
+<ds:datastoreItem xmlns:ds="http://schemas.openxmlformats.org/officeDocument/2006/customXml" ds:itemID="{3EF378BC-F4D0-4510-B4EC-07B6EFE18CF8}">
+  <ds:schemaRefs>
+    <ds:schemaRef ds:uri="http://schemas.microsoft.com/office/2006/metadata/properties"/>
+    <ds:schemaRef ds:uri="http://purl.org/dc/elements/1.1/"/>
+    <ds:schemaRef ds:uri="679261c3-551f-4e86-913f-177e0e529669"/>
+    <ds:schemaRef ds:uri="http://schemas.openxmlformats.org/package/2006/metadata/core-properties"/>
+    <ds:schemaRef ds:uri="459159c4-d20a-4ff3-9b11-fbd127bd52e5"/>
+    <ds:schemaRef ds:uri="http://purl.org/dc/terms/"/>
+    <ds:schemaRef ds:uri="http://schemas.microsoft.com/office/infopath/2007/PartnerControls"/>
+    <ds:schemaRef ds:uri="http://schemas.microsoft.com/office/2006/documentManagement/types"/>
+    <ds:schemaRef ds:uri="c58f2efd-82a8-4ecf-b395-8c25e928921d"/>
+    <ds:schemaRef ds:uri="http://www.w3.org/XML/1998/namespace"/>
+    <ds:schemaRef ds:uri="http://purl.org/dc/dcmitype/"/>
+  </ds:schemaRefs>
+</ds:datastoreItem>
 </file>
 
-<file path=customXml/item3.xml><?xml version="1.0" encoding="utf-8"?>
-<?mso-contentType ?>
-<FormTemplates xmlns="http://schemas.microsoft.com/sharepoint/v3/contenttype/forms">
-  <Display>DocumentLibraryForm</Display>
-  <Edit>DocumentLibraryForm</Edit>
-  <New>DocumentLibraryForm</New>
-</FormTemplates>
+<file path=customXml/itemProps2.xml><?xml version="1.0" encoding="utf-8"?>
+<ds:datastoreItem xmlns:ds="http://schemas.openxmlformats.org/officeDocument/2006/customXml" ds:itemID="{BD9C238D-4D5C-4783-820B-4854DCE45D41}">
+  <ds:schemaRefs>
+    <ds:schemaRef ds:uri="http://schemas.microsoft.com/sharepoint/v3/contenttype/forms"/>
+  </ds:schemaRefs>
+</ds:datastoreItem>
 </file>
 
-<file path=customXml/item4.xml><?xml version="1.0" encoding="utf-8"?>
-<p:properties xmlns:p="http://schemas.microsoft.com/office/2006/metadata/properties" xmlns:xsi="http://www.w3.org/2001/XMLSchema-instance" xmlns:pc="http://schemas.microsoft.com/office/infopath/2007/PartnerControls">
-  <documentManagement>
-    <SottoCategoria xmlns="679261c3-551f-4e86-913f-177e0e529669">-</SottoCategoria>
-    <Categoria xmlns="c58f2efd-82a8-4ecf-b395-8c25e928921d">Power Point</Categoria>
-    <_dlc_DocId xmlns="459159c4-d20a-4ff3-9b11-fbd127bd52e5">INTRANET-14-158</_dlc_DocId>
-    <_dlc_DocIdUrl xmlns="459159c4-d20a-4ff3-9b11-fbd127bd52e5">
-      <Url>https://intranet.istat.it/Collaborativi/_layouts/15/DocIdRedir.aspx?ID=INTRANET-14-158</Url>
-      <Description>INTRANET-14-158</Description>
-    </_dlc_DocIdUrl>
-  </documentManagement>
-</p:properties>
+<file path=customXml/itemProps3.xml><?xml version="1.0" encoding="utf-8"?>
+<ds:datastoreItem xmlns:ds="http://schemas.openxmlformats.org/officeDocument/2006/customXml" ds:itemID="{D9296C4F-9DE9-4B43-AA80-1FC85656CFFA}">
+  <ds:schemaRefs>
+    <ds:schemaRef ds:uri="http://schemas.microsoft.com/sharepoint/events"/>
+  </ds:schemaRefs>
+</ds:datastoreItem>
 </file>
 
-<file path=customXml/itemProps1.xml><?xml version="1.0" encoding="utf-8"?>
+<file path=customXml/itemProps4.xml><?xml version="1.0" encoding="utf-8"?>
 <ds:datastoreItem xmlns:ds="http://schemas.openxmlformats.org/officeDocument/2006/customXml" ds:itemID="{3F66F418-6054-4EA5-BF8E-6AF3CEAE6265}">
   <ds:schemaRefs>
     <ds:schemaRef ds:uri="http://schemas.microsoft.com/office/2006/metadata/contentType"/>
@@ -9315,38 +9655,4 @@
     <ds:schemaRef ds:uri="http://schemas.microsoft.com/internal/obd"/>
   </ds:schemaRefs>
 </ds:datastoreItem>
-</file>
-
-<file path=customXml/itemProps2.xml><?xml version="1.0" encoding="utf-8"?>
-<ds:datastoreItem xmlns:ds="http://schemas.openxmlformats.org/officeDocument/2006/customXml" ds:itemID="{D9296C4F-9DE9-4B43-AA80-1FC85656CFFA}">
-  <ds:schemaRefs>
-    <ds:schemaRef ds:uri="http://schemas.microsoft.com/sharepoint/events"/>
-  </ds:schemaRefs>
-</ds:datastoreItem>
-</file>
-
-<file path=customXml/itemProps3.xml><?xml version="1.0" encoding="utf-8"?>
-<ds:datastoreItem xmlns:ds="http://schemas.openxmlformats.org/officeDocument/2006/customXml" ds:itemID="{BD9C238D-4D5C-4783-820B-4854DCE45D41}">
-  <ds:schemaRefs>
-    <ds:schemaRef ds:uri="http://schemas.microsoft.com/sharepoint/v3/contenttype/forms"/>
-  </ds:schemaRefs>
-</ds:datastoreItem>
-</file>
-
-<file path=customXml/itemProps4.xml><?xml version="1.0" encoding="utf-8"?>
-<ds:datastoreItem xmlns:ds="http://schemas.openxmlformats.org/officeDocument/2006/customXml" ds:itemID="{3EF378BC-F4D0-4510-B4EC-07B6EFE18CF8}">
-  <ds:schemaRefs>
-    <ds:schemaRef ds:uri="http://schemas.microsoft.com/office/2006/metadata/properties"/>
-    <ds:schemaRef ds:uri="http://purl.org/dc/elements/1.1/"/>
-    <ds:schemaRef ds:uri="679261c3-551f-4e86-913f-177e0e529669"/>
-    <ds:schemaRef ds:uri="http://schemas.openxmlformats.org/package/2006/metadata/core-properties"/>
-    <ds:schemaRef ds:uri="459159c4-d20a-4ff3-9b11-fbd127bd52e5"/>
-    <ds:schemaRef ds:uri="http://purl.org/dc/terms/"/>
-    <ds:schemaRef ds:uri="http://schemas.microsoft.com/office/infopath/2007/PartnerControls"/>
-    <ds:schemaRef ds:uri="http://schemas.microsoft.com/office/2006/documentManagement/types"/>
-    <ds:schemaRef ds:uri="c58f2efd-82a8-4ecf-b395-8c25e928921d"/>
-    <ds:schemaRef ds:uri="http://www.w3.org/XML/1998/namespace"/>
-    <ds:schemaRef ds:uri="http://purl.org/dc/dcmitype/"/>
-  </ds:schemaRefs>
-</ds:datastoreItem>
 </file>